--- a/A study of Amsterdam Airbnb rentals.pptx
+++ b/A study of Amsterdam Airbnb rentals.pptx
@@ -3844,25 +3844,6 @@
       </p:sp>
       <p:sp>
         <p:nvSpPr>
-          <p:cNvPr id="4" name="Footer Placeholder 3"/>
-          <p:cNvSpPr>
-            <a:spLocks noGrp="1"/>
-          </p:cNvSpPr>
-          <p:nvPr>
-            <p:ph type="ftr" sz="quarter" idx="11"/>
-          </p:nvPr>
-        </p:nvSpPr>
-        <p:spPr/>
-        <p:txBody>
-          <a:bodyPr/>
-          <a:lstStyle/>
-          <a:p>
-            <a:endParaRPr lang="en-US"/>
-          </a:p>
-        </p:txBody>
-      </p:sp>
-      <p:sp>
-        <p:nvSpPr>
           <p:cNvPr id="5" name="Slide Number Placeholder 4"/>
           <p:cNvSpPr>
             <a:spLocks noGrp="1"/>
@@ -4265,25 +4246,6 @@
       </p:sp>
       <p:sp>
         <p:nvSpPr>
-          <p:cNvPr id="4" name="Footer Placeholder 3"/>
-          <p:cNvSpPr>
-            <a:spLocks noGrp="1"/>
-          </p:cNvSpPr>
-          <p:nvPr>
-            <p:ph type="ftr" sz="quarter" idx="11"/>
-          </p:nvPr>
-        </p:nvSpPr>
-        <p:spPr/>
-        <p:txBody>
-          <a:bodyPr/>
-          <a:lstStyle/>
-          <a:p>
-            <a:endParaRPr lang="en-US"/>
-          </a:p>
-        </p:txBody>
-      </p:sp>
-      <p:sp>
-        <p:nvSpPr>
           <p:cNvPr id="5" name="Slide Number Placeholder 4"/>
           <p:cNvSpPr>
             <a:spLocks noGrp="1"/>
@@ -4705,7 +4667,6 @@
               <a:rPr lang="en-US" dirty="0"/>
               <a:t>60/night. </a:t>
             </a:r>
-            <a:endParaRPr lang="en-US" dirty="0"/>
           </a:p>
         </p:txBody>
       </p:sp>
@@ -5225,9 +5186,58 @@
           </a:p>
         </p:txBody>
       </p:sp>
+      <p:sp>
+        <p:nvSpPr>
+          <p:cNvPr id="8" name="Line Callout 1 7"/>
+          <p:cNvSpPr/>
+          <p:nvPr/>
+        </p:nvSpPr>
+        <p:spPr>
+          <a:xfrm>
+            <a:off x="7772400" y="3733800"/>
+            <a:ext cx="990600" cy="838200"/>
+          </a:xfrm>
+          <a:prstGeom prst="borderCallout1">
+            <a:avLst>
+              <a:gd name="adj1" fmla="val 100568"/>
+              <a:gd name="adj2" fmla="val 23052"/>
+              <a:gd name="adj3" fmla="val 152864"/>
+              <a:gd name="adj4" fmla="val -20794"/>
+            </a:avLst>
+          </a:prstGeom>
+        </p:spPr>
+        <p:style>
+          <a:lnRef idx="2">
+            <a:schemeClr val="dk1">
+              <a:shade val="50000"/>
+            </a:schemeClr>
+          </a:lnRef>
+          <a:fillRef idx="1">
+            <a:schemeClr val="dk1"/>
+          </a:fillRef>
+          <a:effectRef idx="0">
+            <a:schemeClr val="dk1"/>
+          </a:effectRef>
+          <a:fontRef idx="minor">
+            <a:schemeClr val="lt1"/>
+          </a:fontRef>
+        </p:style>
+        <p:txBody>
+          <a:bodyPr rtlCol="0" anchor="ctr"/>
+          <a:lstStyle/>
+          <a:p>
+            <a:pPr algn="ctr"/>
+            <a:r>
+              <a:rPr lang="en-US" dirty="0" smtClean="0"/>
+              <a:t>Highest priced cluster</a:t>
+            </a:r>
+            <a:endParaRPr lang="en-US" dirty="0"/>
+          </a:p>
+        </p:txBody>
+      </p:sp>
       <p:pic>
         <p:nvPicPr>
-          <p:cNvPr id="1026" name="Picture 2"/>
+          <p:cNvPr id="9" name="Picture 2"/>
           <p:cNvPicPr>
             <a:picLocks noChangeAspect="1" noChangeArrowheads="1"/>
           </p:cNvPicPr>
@@ -5248,7 +5258,7 @@
         </p:blipFill>
         <p:spPr bwMode="auto">
           <a:xfrm>
-            <a:off x="594360" y="3505200"/>
+            <a:off x="533400" y="3432048"/>
             <a:ext cx="7086600" cy="2225675"/>
           </a:xfrm>
           <a:prstGeom prst="rect">
@@ -5676,7 +5686,7 @@
           <p:nvPr>
             <p:extLst>
               <p:ext uri="{D42A27DB-BD31-4B8C-83A1-F6EECF244321}">
-                <p14:modId xmlns:p14="http://schemas.microsoft.com/office/powerpoint/2010/main" val="2602115126"/>
+                <p14:modId xmlns:p14="http://schemas.microsoft.com/office/powerpoint/2010/main" val="753226563"/>
               </p:ext>
             </p:extLst>
           </p:nvPr>
@@ -5689,7 +5699,7 @@
           <a:graphicData uri="http://schemas.openxmlformats.org/drawingml/2006/table">
             <a:tbl>
               <a:tblPr firstRow="1" bandRow="1">
-                <a:tableStyleId>{5940675A-B579-460E-94D1-54222C63F5DA}</a:tableStyleId>
+                <a:tableStyleId>{7E9639D4-E3E2-4D34-9284-5A2195B3D0D7}</a:tableStyleId>
               </a:tblPr>
               <a:tblGrid>
                 <a:gridCol w="2032000"/>
@@ -5720,7 +5730,44 @@
                       </a:endParaRPr>
                     </a:p>
                   </a:txBody>
-                  <a:tcPr marL="68580" marR="68580" marT="0" marB="0"/>
+                  <a:tcPr marL="68580" marR="68580" marT="0" marB="0">
+                    <a:lnL w="12700" cap="flat" cmpd="sng" algn="ctr">
+                      <a:solidFill>
+                        <a:schemeClr val="tx1"/>
+                      </a:solidFill>
+                      <a:prstDash val="solid"/>
+                      <a:round/>
+                      <a:headEnd type="none" w="med" len="med"/>
+                      <a:tailEnd type="none" w="med" len="med"/>
+                    </a:lnL>
+                    <a:lnR w="12700" cap="flat" cmpd="sng" algn="ctr">
+                      <a:solidFill>
+                        <a:schemeClr val="tx1"/>
+                      </a:solidFill>
+                      <a:prstDash val="solid"/>
+                      <a:round/>
+                      <a:headEnd type="none" w="med" len="med"/>
+                      <a:tailEnd type="none" w="med" len="med"/>
+                    </a:lnR>
+                    <a:lnT w="12700" cap="flat" cmpd="sng" algn="ctr">
+                      <a:solidFill>
+                        <a:schemeClr val="tx1"/>
+                      </a:solidFill>
+                      <a:prstDash val="solid"/>
+                      <a:round/>
+                      <a:headEnd type="none" w="med" len="med"/>
+                      <a:tailEnd type="none" w="med" len="med"/>
+                    </a:lnT>
+                    <a:lnB w="12700" cap="flat" cmpd="sng" algn="ctr">
+                      <a:solidFill>
+                        <a:schemeClr val="tx1"/>
+                      </a:solidFill>
+                      <a:prstDash val="solid"/>
+                      <a:round/>
+                      <a:headEnd type="none" w="med" len="med"/>
+                      <a:tailEnd type="none" w="med" len="med"/>
+                    </a:lnB>
+                  </a:tcPr>
                 </a:tc>
                 <a:tc>
                   <a:txBody>
@@ -5748,7 +5795,44 @@
                       </a:endParaRPr>
                     </a:p>
                   </a:txBody>
-                  <a:tcPr marL="68580" marR="68580" marT="0" marB="0"/>
+                  <a:tcPr marL="68580" marR="68580" marT="0" marB="0">
+                    <a:lnL w="12700" cap="flat" cmpd="sng" algn="ctr">
+                      <a:solidFill>
+                        <a:schemeClr val="tx1"/>
+                      </a:solidFill>
+                      <a:prstDash val="solid"/>
+                      <a:round/>
+                      <a:headEnd type="none" w="med" len="med"/>
+                      <a:tailEnd type="none" w="med" len="med"/>
+                    </a:lnL>
+                    <a:lnR w="12700" cap="flat" cmpd="sng" algn="ctr">
+                      <a:solidFill>
+                        <a:schemeClr val="tx1"/>
+                      </a:solidFill>
+                      <a:prstDash val="solid"/>
+                      <a:round/>
+                      <a:headEnd type="none" w="med" len="med"/>
+                      <a:tailEnd type="none" w="med" len="med"/>
+                    </a:lnR>
+                    <a:lnT w="12700" cap="flat" cmpd="sng" algn="ctr">
+                      <a:solidFill>
+                        <a:schemeClr val="tx1"/>
+                      </a:solidFill>
+                      <a:prstDash val="solid"/>
+                      <a:round/>
+                      <a:headEnd type="none" w="med" len="med"/>
+                      <a:tailEnd type="none" w="med" len="med"/>
+                    </a:lnT>
+                    <a:lnB w="12700" cap="flat" cmpd="sng" algn="ctr">
+                      <a:solidFill>
+                        <a:schemeClr val="tx1"/>
+                      </a:solidFill>
+                      <a:prstDash val="solid"/>
+                      <a:round/>
+                      <a:headEnd type="none" w="med" len="med"/>
+                      <a:tailEnd type="none" w="med" len="med"/>
+                    </a:lnB>
+                  </a:tcPr>
                 </a:tc>
                 <a:tc>
                   <a:txBody>
@@ -5773,7 +5857,44 @@
                       </a:endParaRPr>
                     </a:p>
                   </a:txBody>
-                  <a:tcPr marL="68580" marR="68580" marT="0" marB="0"/>
+                  <a:tcPr marL="68580" marR="68580" marT="0" marB="0">
+                    <a:lnL w="12700" cap="flat" cmpd="sng" algn="ctr">
+                      <a:solidFill>
+                        <a:schemeClr val="tx1"/>
+                      </a:solidFill>
+                      <a:prstDash val="solid"/>
+                      <a:round/>
+                      <a:headEnd type="none" w="med" len="med"/>
+                      <a:tailEnd type="none" w="med" len="med"/>
+                    </a:lnL>
+                    <a:lnR w="12700" cap="flat" cmpd="sng" algn="ctr">
+                      <a:solidFill>
+                        <a:schemeClr val="tx1"/>
+                      </a:solidFill>
+                      <a:prstDash val="solid"/>
+                      <a:round/>
+                      <a:headEnd type="none" w="med" len="med"/>
+                      <a:tailEnd type="none" w="med" len="med"/>
+                    </a:lnR>
+                    <a:lnT w="12700" cap="flat" cmpd="sng" algn="ctr">
+                      <a:solidFill>
+                        <a:schemeClr val="tx1"/>
+                      </a:solidFill>
+                      <a:prstDash val="solid"/>
+                      <a:round/>
+                      <a:headEnd type="none" w="med" len="med"/>
+                      <a:tailEnd type="none" w="med" len="med"/>
+                    </a:lnT>
+                    <a:lnB w="12700" cap="flat" cmpd="sng" algn="ctr">
+                      <a:solidFill>
+                        <a:schemeClr val="tx1"/>
+                      </a:solidFill>
+                      <a:prstDash val="solid"/>
+                      <a:round/>
+                      <a:headEnd type="none" w="med" len="med"/>
+                      <a:tailEnd type="none" w="med" len="med"/>
+                    </a:lnB>
+                  </a:tcPr>
                 </a:tc>
               </a:tr>
               <a:tr h="370840">
@@ -5784,7 +5905,7 @@
                     <a:p>
                       <a:pPr marL="0" marR="0"/>
                       <a:r>
-                        <a:rPr lang="en-US" sz="1200" dirty="0">
+                        <a:rPr lang="en-US" sz="1200" b="1" dirty="0">
                           <a:effectLst/>
                         </a:rPr>
                         <a:t>Predicted Positive</a:t>
@@ -5800,7 +5921,44 @@
                       </a:endParaRPr>
                     </a:p>
                   </a:txBody>
-                  <a:tcPr marL="68580" marR="68580" marT="0" marB="0"/>
+                  <a:tcPr marL="68580" marR="68580" marT="0" marB="0">
+                    <a:lnL w="12700" cap="flat" cmpd="sng" algn="ctr">
+                      <a:solidFill>
+                        <a:schemeClr val="tx1"/>
+                      </a:solidFill>
+                      <a:prstDash val="solid"/>
+                      <a:round/>
+                      <a:headEnd type="none" w="med" len="med"/>
+                      <a:tailEnd type="none" w="med" len="med"/>
+                    </a:lnL>
+                    <a:lnR w="12700" cap="flat" cmpd="sng" algn="ctr">
+                      <a:solidFill>
+                        <a:schemeClr val="tx1"/>
+                      </a:solidFill>
+                      <a:prstDash val="solid"/>
+                      <a:round/>
+                      <a:headEnd type="none" w="med" len="med"/>
+                      <a:tailEnd type="none" w="med" len="med"/>
+                    </a:lnR>
+                    <a:lnT w="12700" cap="flat" cmpd="sng" algn="ctr">
+                      <a:solidFill>
+                        <a:schemeClr val="tx1"/>
+                      </a:solidFill>
+                      <a:prstDash val="solid"/>
+                      <a:round/>
+                      <a:headEnd type="none" w="med" len="med"/>
+                      <a:tailEnd type="none" w="med" len="med"/>
+                    </a:lnT>
+                    <a:lnB w="12700" cap="flat" cmpd="sng" algn="ctr">
+                      <a:solidFill>
+                        <a:schemeClr val="tx1"/>
+                      </a:solidFill>
+                      <a:prstDash val="solid"/>
+                      <a:round/>
+                      <a:headEnd type="none" w="med" len="med"/>
+                      <a:tailEnd type="none" w="med" len="med"/>
+                    </a:lnB>
+                  </a:tcPr>
                 </a:tc>
                 <a:tc>
                   <a:txBody>
@@ -5825,7 +5983,44 @@
                       </a:endParaRPr>
                     </a:p>
                   </a:txBody>
-                  <a:tcPr marL="68580" marR="68580" marT="0" marB="0" anchor="ctr"/>
+                  <a:tcPr marL="68580" marR="68580" marT="0" marB="0" anchor="ctr">
+                    <a:lnL w="12700" cap="flat" cmpd="sng" algn="ctr">
+                      <a:solidFill>
+                        <a:schemeClr val="tx1"/>
+                      </a:solidFill>
+                      <a:prstDash val="solid"/>
+                      <a:round/>
+                      <a:headEnd type="none" w="med" len="med"/>
+                      <a:tailEnd type="none" w="med" len="med"/>
+                    </a:lnL>
+                    <a:lnR w="12700" cap="flat" cmpd="sng" algn="ctr">
+                      <a:solidFill>
+                        <a:schemeClr val="tx1"/>
+                      </a:solidFill>
+                      <a:prstDash val="solid"/>
+                      <a:round/>
+                      <a:headEnd type="none" w="med" len="med"/>
+                      <a:tailEnd type="none" w="med" len="med"/>
+                    </a:lnR>
+                    <a:lnT w="12700" cap="flat" cmpd="sng" algn="ctr">
+                      <a:solidFill>
+                        <a:schemeClr val="tx1"/>
+                      </a:solidFill>
+                      <a:prstDash val="solid"/>
+                      <a:round/>
+                      <a:headEnd type="none" w="med" len="med"/>
+                      <a:tailEnd type="none" w="med" len="med"/>
+                    </a:lnT>
+                    <a:lnB w="12700" cap="flat" cmpd="sng" algn="ctr">
+                      <a:solidFill>
+                        <a:schemeClr val="tx1"/>
+                      </a:solidFill>
+                      <a:prstDash val="solid"/>
+                      <a:round/>
+                      <a:headEnd type="none" w="med" len="med"/>
+                      <a:tailEnd type="none" w="med" len="med"/>
+                    </a:lnB>
+                  </a:tcPr>
                 </a:tc>
                 <a:tc>
                   <a:txBody>
@@ -5850,7 +6045,44 @@
                       </a:endParaRPr>
                     </a:p>
                   </a:txBody>
-                  <a:tcPr marL="68580" marR="68580" marT="0" marB="0" anchor="ctr"/>
+                  <a:tcPr marL="68580" marR="68580" marT="0" marB="0" anchor="ctr">
+                    <a:lnL w="12700" cap="flat" cmpd="sng" algn="ctr">
+                      <a:solidFill>
+                        <a:schemeClr val="tx1"/>
+                      </a:solidFill>
+                      <a:prstDash val="solid"/>
+                      <a:round/>
+                      <a:headEnd type="none" w="med" len="med"/>
+                      <a:tailEnd type="none" w="med" len="med"/>
+                    </a:lnL>
+                    <a:lnR w="12700" cap="flat" cmpd="sng" algn="ctr">
+                      <a:solidFill>
+                        <a:schemeClr val="tx1"/>
+                      </a:solidFill>
+                      <a:prstDash val="solid"/>
+                      <a:round/>
+                      <a:headEnd type="none" w="med" len="med"/>
+                      <a:tailEnd type="none" w="med" len="med"/>
+                    </a:lnR>
+                    <a:lnT w="12700" cap="flat" cmpd="sng" algn="ctr">
+                      <a:solidFill>
+                        <a:schemeClr val="tx1"/>
+                      </a:solidFill>
+                      <a:prstDash val="solid"/>
+                      <a:round/>
+                      <a:headEnd type="none" w="med" len="med"/>
+                      <a:tailEnd type="none" w="med" len="med"/>
+                    </a:lnT>
+                    <a:lnB w="12700" cap="flat" cmpd="sng" algn="ctr">
+                      <a:solidFill>
+                        <a:schemeClr val="tx1"/>
+                      </a:solidFill>
+                      <a:prstDash val="solid"/>
+                      <a:round/>
+                      <a:headEnd type="none" w="med" len="med"/>
+                      <a:tailEnd type="none" w="med" len="med"/>
+                    </a:lnB>
+                  </a:tcPr>
                 </a:tc>
               </a:tr>
               <a:tr h="370840">
@@ -5861,7 +6093,7 @@
                     <a:p>
                       <a:pPr marL="0" marR="0"/>
                       <a:r>
-                        <a:rPr lang="en-US" sz="1200" dirty="0">
+                        <a:rPr lang="en-US" sz="1200" b="1" dirty="0">
                           <a:effectLst/>
                         </a:rPr>
                         <a:t>Predicted Negative</a:t>
@@ -5877,7 +6109,44 @@
                       </a:endParaRPr>
                     </a:p>
                   </a:txBody>
-                  <a:tcPr marL="68580" marR="68580" marT="0" marB="0"/>
+                  <a:tcPr marL="68580" marR="68580" marT="0" marB="0">
+                    <a:lnL w="12700" cap="flat" cmpd="sng" algn="ctr">
+                      <a:solidFill>
+                        <a:schemeClr val="tx1"/>
+                      </a:solidFill>
+                      <a:prstDash val="solid"/>
+                      <a:round/>
+                      <a:headEnd type="none" w="med" len="med"/>
+                      <a:tailEnd type="none" w="med" len="med"/>
+                    </a:lnL>
+                    <a:lnR w="12700" cap="flat" cmpd="sng" algn="ctr">
+                      <a:solidFill>
+                        <a:schemeClr val="tx1"/>
+                      </a:solidFill>
+                      <a:prstDash val="solid"/>
+                      <a:round/>
+                      <a:headEnd type="none" w="med" len="med"/>
+                      <a:tailEnd type="none" w="med" len="med"/>
+                    </a:lnR>
+                    <a:lnT w="12700" cap="flat" cmpd="sng" algn="ctr">
+                      <a:solidFill>
+                        <a:schemeClr val="tx1"/>
+                      </a:solidFill>
+                      <a:prstDash val="solid"/>
+                      <a:round/>
+                      <a:headEnd type="none" w="med" len="med"/>
+                      <a:tailEnd type="none" w="med" len="med"/>
+                    </a:lnT>
+                    <a:lnB w="12700" cap="flat" cmpd="sng" algn="ctr">
+                      <a:solidFill>
+                        <a:schemeClr val="tx1"/>
+                      </a:solidFill>
+                      <a:prstDash val="solid"/>
+                      <a:round/>
+                      <a:headEnd type="none" w="med" len="med"/>
+                      <a:tailEnd type="none" w="med" len="med"/>
+                    </a:lnB>
+                  </a:tcPr>
                 </a:tc>
                 <a:tc>
                   <a:txBody>
@@ -5902,7 +6171,44 @@
                       </a:endParaRPr>
                     </a:p>
                   </a:txBody>
-                  <a:tcPr marL="68580" marR="68580" marT="0" marB="0" anchor="ctr"/>
+                  <a:tcPr marL="68580" marR="68580" marT="0" marB="0" anchor="ctr">
+                    <a:lnL w="12700" cap="flat" cmpd="sng" algn="ctr">
+                      <a:solidFill>
+                        <a:schemeClr val="tx1"/>
+                      </a:solidFill>
+                      <a:prstDash val="solid"/>
+                      <a:round/>
+                      <a:headEnd type="none" w="med" len="med"/>
+                      <a:tailEnd type="none" w="med" len="med"/>
+                    </a:lnL>
+                    <a:lnR w="12700" cap="flat" cmpd="sng" algn="ctr">
+                      <a:solidFill>
+                        <a:schemeClr val="tx1"/>
+                      </a:solidFill>
+                      <a:prstDash val="solid"/>
+                      <a:round/>
+                      <a:headEnd type="none" w="med" len="med"/>
+                      <a:tailEnd type="none" w="med" len="med"/>
+                    </a:lnR>
+                    <a:lnT w="12700" cap="flat" cmpd="sng" algn="ctr">
+                      <a:solidFill>
+                        <a:schemeClr val="tx1"/>
+                      </a:solidFill>
+                      <a:prstDash val="solid"/>
+                      <a:round/>
+                      <a:headEnd type="none" w="med" len="med"/>
+                      <a:tailEnd type="none" w="med" len="med"/>
+                    </a:lnT>
+                    <a:lnB w="12700" cap="flat" cmpd="sng" algn="ctr">
+                      <a:solidFill>
+                        <a:schemeClr val="tx1"/>
+                      </a:solidFill>
+                      <a:prstDash val="solid"/>
+                      <a:round/>
+                      <a:headEnd type="none" w="med" len="med"/>
+                      <a:tailEnd type="none" w="med" len="med"/>
+                    </a:lnB>
+                  </a:tcPr>
                 </a:tc>
                 <a:tc>
                   <a:txBody>
@@ -5927,7 +6233,44 @@
                       </a:endParaRPr>
                     </a:p>
                   </a:txBody>
-                  <a:tcPr marL="68580" marR="68580" marT="0" marB="0" anchor="ctr"/>
+                  <a:tcPr marL="68580" marR="68580" marT="0" marB="0" anchor="ctr">
+                    <a:lnL w="12700" cap="flat" cmpd="sng" algn="ctr">
+                      <a:solidFill>
+                        <a:schemeClr val="tx1"/>
+                      </a:solidFill>
+                      <a:prstDash val="solid"/>
+                      <a:round/>
+                      <a:headEnd type="none" w="med" len="med"/>
+                      <a:tailEnd type="none" w="med" len="med"/>
+                    </a:lnL>
+                    <a:lnR w="12700" cap="flat" cmpd="sng" algn="ctr">
+                      <a:solidFill>
+                        <a:schemeClr val="tx1"/>
+                      </a:solidFill>
+                      <a:prstDash val="solid"/>
+                      <a:round/>
+                      <a:headEnd type="none" w="med" len="med"/>
+                      <a:tailEnd type="none" w="med" len="med"/>
+                    </a:lnR>
+                    <a:lnT w="12700" cap="flat" cmpd="sng" algn="ctr">
+                      <a:solidFill>
+                        <a:schemeClr val="tx1"/>
+                      </a:solidFill>
+                      <a:prstDash val="solid"/>
+                      <a:round/>
+                      <a:headEnd type="none" w="med" len="med"/>
+                      <a:tailEnd type="none" w="med" len="med"/>
+                    </a:lnT>
+                    <a:lnB w="12700" cap="flat" cmpd="sng" algn="ctr">
+                      <a:solidFill>
+                        <a:schemeClr val="tx1"/>
+                      </a:solidFill>
+                      <a:prstDash val="solid"/>
+                      <a:round/>
+                      <a:headEnd type="none" w="med" len="med"/>
+                      <a:tailEnd type="none" w="med" len="med"/>
+                    </a:lnB>
+                  </a:tcPr>
                 </a:tc>
               </a:tr>
             </a:tbl>
